--- a/Slides/Spatial Analysis using R_V2.pptx
+++ b/Slides/Spatial Analysis using R_V2.pptx
@@ -5118,10 +5118,10 @@
       </p:sp>
       <p:sp>
         <p:nvSpPr>
-          <p:cNvPr id="4" name="TextBox 3">
-            <a:extLst>
-              <a:ext uri="{FF2B5EF4-FFF2-40B4-BE49-F238E27FC236}">
-                <a16:creationId xmlns:a16="http://schemas.microsoft.com/office/drawing/2014/main" id="{F89EE7AA-E99C-4187-B3F8-E88D0C3C22B6}"/>
+          <p:cNvPr id="5" name="TextBox 4">
+            <a:extLst>
+              <a:ext uri="{FF2B5EF4-FFF2-40B4-BE49-F238E27FC236}">
+                <a16:creationId xmlns:a16="http://schemas.microsoft.com/office/drawing/2014/main" id="{E9863FD1-72A8-438B-A3F5-18DA3771F238}"/>
               </a:ext>
             </a:extLst>
           </p:cNvPr>
@@ -5130,8 +5130,8 @@
         </p:nvSpPr>
         <p:spPr>
           <a:xfrm>
-            <a:off x="7161790" y="6308209"/>
-            <a:ext cx="4860370" cy="369332"/>
+            <a:off x="6646127" y="6311900"/>
+            <a:ext cx="7315200" cy="369332"/>
           </a:xfrm>
           <a:prstGeom prst="rect">
             <a:avLst/>
@@ -5139,7 +5139,7 @@
           <a:noFill/>
         </p:spPr>
         <p:txBody>
-          <a:bodyPr wrap="none" rtlCol="0">
+          <a:bodyPr wrap="square" rtlCol="0">
             <a:spAutoFit/>
           </a:bodyPr>
           <a:lstStyle/>
@@ -5147,8 +5147,15 @@
             <a:r>
               <a:rPr lang="en-US" dirty="0">
                 <a:latin typeface="Avenir LT Std 35 Light" panose="020B0402020203020204" pitchFamily="34" charset="0"/>
-              </a:rPr>
-              <a:t>http://happygitwithr.com/install-r-rstudio.html</a:t>
+                <a:hlinkClick r:id="rId3"/>
+              </a:rPr>
+              <a:t>http://happygitwithr.com/push-pull-github.html</a:t>
+            </a:r>
+            <a:r>
+              <a:rPr lang="en-US" dirty="0">
+                <a:latin typeface="Avenir LT Std 35 Light" panose="020B0402020203020204" pitchFamily="34" charset="0"/>
+              </a:rPr>
+              <a:t> </a:t>
             </a:r>
           </a:p>
         </p:txBody>
